--- a/Meetings/2025_01_31_TMSMultiLab_Intro.pptx
+++ b/Meetings/2025_01_31_TMSMultiLab_Intro.pptx
@@ -270,7 +270,7 @@
       </p15:sldGuideLst>
     </p:ext>
     <p:ext uri="GoogleSlidesCustomDataVersion2">
-      <go:slidesCustomData xmlns:go="http://customooxmlschemas.google.com/" xmlns:ahyp="http://schemas.microsoft.com/office/drawing/2018/hyperlinkcolor" xmlns:p15="http://schemas.microsoft.com/office/powerpoint/2012/main" xmlns:p14="http://schemas.microsoft.com/office/powerpoint/2010/main" xmlns:com="http://schemas.openxmlformats.org/drawingml/2006/compatibility" xmlns:pvml="urn:schemas-microsoft-com:office:powerpoint" xmlns:v="urn:schemas-microsoft-com:vml" xmlns:o="urn:schemas-microsoft-com:office:office" xmlns:dgm="http://schemas.openxmlformats.org/drawingml/2006/diagram" xmlns:c="http://schemas.openxmlformats.org/drawingml/2006/chart" xmlns:mv="urn:schemas-microsoft-com:mac:vml" xmlns:mc="http://schemas.openxmlformats.org/markup-compatibility/2006" xmlns="" r:id="rId18" roundtripDataSignature="AMtx7mhqQ0oVytcECFSY2OndhA6eOOBtmA=="/>
+      <go:slidesCustomData xmlns="" xmlns:mc="http://schemas.openxmlformats.org/markup-compatibility/2006" xmlns:mv="urn:schemas-microsoft-com:mac:vml" xmlns:c="http://schemas.openxmlformats.org/drawingml/2006/chart" xmlns:dgm="http://schemas.openxmlformats.org/drawingml/2006/diagram" xmlns:o="urn:schemas-microsoft-com:office:office" xmlns:v="urn:schemas-microsoft-com:vml" xmlns:pvml="urn:schemas-microsoft-com:office:powerpoint" xmlns:com="http://schemas.openxmlformats.org/drawingml/2006/compatibility" xmlns:p14="http://schemas.microsoft.com/office/powerpoint/2010/main" xmlns:p15="http://schemas.microsoft.com/office/powerpoint/2012/main" xmlns:ahyp="http://schemas.microsoft.com/office/drawing/2018/hyperlinkcolor" xmlns:go="http://customooxmlschemas.google.com/" r:id="rId18" roundtripDataSignature="AMtx7mhqQ0oVytcECFSY2OndhA6eOOBtmA=="/>
     </p:ext>
   </p:extLst>
 </p:presentation>
@@ -20800,7 +20800,7 @@
                   <a:schemeClr val="dk1"/>
                 </a:solidFill>
               </a:rPr>
-              <a:t>Ideally: we will have ~26 raters rating ~26 papers each (~10-15 hours)</a:t>
+              <a:t>Ideally: we will have ~20 raters rating ~30 papers each</a:t>
             </a:r>
           </a:p>
           <a:p>
@@ -20843,7 +20843,7 @@
                   <a:schemeClr val="dk1"/>
                 </a:solidFill>
               </a:rPr>
-              <a:t>+ meetings, discussion, collaborative analysis &amp; consensus-building…</a:t>
+              <a:t>Develop the TMS-RAT in stages, reach consensus, input to analysis &amp; writing</a:t>
             </a:r>
           </a:p>
           <a:p>
@@ -20875,24 +20875,24 @@
               <a:buChar char="●"/>
             </a:pPr>
             <a:r>
-              <a:rPr lang="en-GB" sz="1600" b="1" u="sng" dirty="0">
+              <a:rPr lang="en-GB" sz="1600" b="1" dirty="0">
                 <a:solidFill>
                   <a:schemeClr val="dk1"/>
                 </a:solidFill>
               </a:rPr>
-              <a:t>*** Co-authorship of TMS-RAT </a:t>
+              <a:t>(and co-authorship of TMS-RAT </a:t>
             </a:r>
             <a:r>
               <a:rPr lang="en-GB" sz="1600" b="1" dirty="0"/>
               <a:t>🐀 </a:t>
             </a:r>
             <a:r>
-              <a:rPr lang="en-GB" sz="1600" b="1" u="sng" dirty="0">
+              <a:rPr lang="en-GB" sz="1600" b="1" dirty="0">
                 <a:solidFill>
                   <a:schemeClr val="dk1"/>
                 </a:solidFill>
               </a:rPr>
-              <a:t>paper ***</a:t>
+              <a:t>paper!)</a:t>
             </a:r>
             <a:endParaRPr sz="1600" b="1" dirty="0">
               <a:solidFill>
